--- a/Phase_1/Oval diagrams.pptx
+++ b/Phase_1/Oval diagrams.pptx
@@ -4373,7 +4373,7 @@
         </p:nvSpPr>
         <p:spPr>
           <a:xfrm>
-            <a:off x="4371241" y="4079631"/>
+            <a:off x="2546838" y="4191598"/>
             <a:ext cx="2713893" cy="1087681"/>
           </a:xfrm>
           <a:prstGeom prst="ellipse">
@@ -4413,7 +4413,7 @@
                   <a:schemeClr val="tx1"/>
                 </a:solidFill>
               </a:rPr>
-              <a:t>Holidays</a:t>
+              <a:t>Holiday name</a:t>
             </a:r>
           </a:p>
         </p:txBody>
@@ -4435,8 +4435,106 @@
         </p:nvCxnSpPr>
         <p:spPr>
           <a:xfrm flipH="1">
-            <a:off x="5728188" y="2778369"/>
-            <a:ext cx="1" cy="1301262"/>
+            <a:off x="3903785" y="2778369"/>
+            <a:ext cx="1824404" cy="1413229"/>
+          </a:xfrm>
+          <a:prstGeom prst="line">
+            <a:avLst/>
+          </a:prstGeom>
+        </p:spPr>
+        <p:style>
+          <a:lnRef idx="2">
+            <a:schemeClr val="accent1"/>
+          </a:lnRef>
+          <a:fillRef idx="0">
+            <a:schemeClr val="accent1"/>
+          </a:fillRef>
+          <a:effectRef idx="1">
+            <a:schemeClr val="accent1"/>
+          </a:effectRef>
+          <a:fontRef idx="minor">
+            <a:schemeClr val="tx1"/>
+          </a:fontRef>
+        </p:style>
+      </p:cxnSp>
+      <p:sp>
+        <p:nvSpPr>
+          <p:cNvPr id="3" name="Oval 2">
+            <a:extLst>
+              <a:ext uri="{FF2B5EF4-FFF2-40B4-BE49-F238E27FC236}">
+                <a16:creationId xmlns:a16="http://schemas.microsoft.com/office/drawing/2014/main" id="{909ED721-DC72-7606-B901-2DFE68389594}"/>
+              </a:ext>
+            </a:extLst>
+          </p:cNvPr>
+          <p:cNvSpPr/>
+          <p:nvPr/>
+        </p:nvSpPr>
+        <p:spPr>
+          <a:xfrm>
+            <a:off x="6931269" y="4191598"/>
+            <a:ext cx="2713893" cy="1087681"/>
+          </a:xfrm>
+          <a:prstGeom prst="ellipse">
+            <a:avLst/>
+          </a:prstGeom>
+          <a:noFill/>
+          <a:ln w="38100">
+            <a:solidFill>
+              <a:schemeClr val="accent1"/>
+            </a:solidFill>
+          </a:ln>
+        </p:spPr>
+        <p:style>
+          <a:lnRef idx="2">
+            <a:schemeClr val="accent1">
+              <a:shade val="15000"/>
+            </a:schemeClr>
+          </a:lnRef>
+          <a:fillRef idx="1">
+            <a:schemeClr val="accent1"/>
+          </a:fillRef>
+          <a:effectRef idx="0">
+            <a:schemeClr val="accent1"/>
+          </a:effectRef>
+          <a:fontRef idx="minor">
+            <a:schemeClr val="lt1"/>
+          </a:fontRef>
+        </p:style>
+        <p:txBody>
+          <a:bodyPr rtlCol="0" anchor="ctr"/>
+          <a:lstStyle/>
+          <a:p>
+            <a:pPr algn="ctr"/>
+            <a:r>
+              <a:rPr lang="en-GB" sz="2800" dirty="0">
+                <a:solidFill>
+                  <a:schemeClr val="tx1"/>
+                </a:solidFill>
+              </a:rPr>
+              <a:t>Holiday date</a:t>
+            </a:r>
+          </a:p>
+        </p:txBody>
+      </p:sp>
+      <p:cxnSp>
+        <p:nvCxnSpPr>
+          <p:cNvPr id="8" name="Straight Connector 7">
+            <a:extLst>
+              <a:ext uri="{FF2B5EF4-FFF2-40B4-BE49-F238E27FC236}">
+                <a16:creationId xmlns:a16="http://schemas.microsoft.com/office/drawing/2014/main" id="{EA69C406-251E-6E41-2F53-BDD8FC7ACFEC}"/>
+              </a:ext>
+            </a:extLst>
+          </p:cNvPr>
+          <p:cNvCxnSpPr>
+            <a:cxnSpLocks/>
+            <a:endCxn id="3" idx="0"/>
+          </p:cNvCxnSpPr>
+          <p:nvPr/>
+        </p:nvCxnSpPr>
+        <p:spPr>
+          <a:xfrm>
+            <a:off x="6096000" y="2778369"/>
+            <a:ext cx="2192216" cy="1413229"/>
           </a:xfrm>
           <a:prstGeom prst="line">
             <a:avLst/>
